--- a/클래스 다이어그램.pptx
+++ b/클래스 다이어그램.pptx
@@ -9,6 +9,8 @@
     <p:sldId id="257" r:id="rId3"/>
     <p:sldId id="258" r:id="rId4"/>
     <p:sldId id="259" r:id="rId5"/>
+    <p:sldId id="260" r:id="rId6"/>
+    <p:sldId id="261" r:id="rId7"/>
   </p:sldIdLst>
   <p:sldSz cx="9906000" cy="6858000" type="A4"/>
   <p:notesSz cx="6858000" cy="9144000"/>
@@ -107,6 +109,11 @@
       </a:defRPr>
     </a:lvl9pPr>
   </p:defaultTextStyle>
+  <p:extLst>
+    <p:ext uri="{EFAFB233-063F-42B5-8137-9DF3F51BA10A}">
+      <p15:sldGuideLst xmlns:p15="http://schemas.microsoft.com/office/powerpoint/2012/main"/>
+    </p:ext>
+  </p:extLst>
 </p:presentation>
 </file>
 
@@ -241,7 +248,7 @@
           <a:p>
             <a:fld id="{D9FD8D04-066D-4598-B556-F2058D74F7C8}" type="datetimeFigureOut">
               <a:rPr lang="ko-KR" altLang="en-US" smtClean="0"/>
-              <a:t>2020-12-29</a:t>
+              <a:t>2020-12-30</a:t>
             </a:fld>
             <a:endParaRPr lang="ko-KR" altLang="en-US"/>
           </a:p>
@@ -411,7 +418,7 @@
           <a:p>
             <a:fld id="{D9FD8D04-066D-4598-B556-F2058D74F7C8}" type="datetimeFigureOut">
               <a:rPr lang="ko-KR" altLang="en-US" smtClean="0"/>
-              <a:t>2020-12-29</a:t>
+              <a:t>2020-12-30</a:t>
             </a:fld>
             <a:endParaRPr lang="ko-KR" altLang="en-US"/>
           </a:p>
@@ -591,7 +598,7 @@
           <a:p>
             <a:fld id="{D9FD8D04-066D-4598-B556-F2058D74F7C8}" type="datetimeFigureOut">
               <a:rPr lang="ko-KR" altLang="en-US" smtClean="0"/>
-              <a:t>2020-12-29</a:t>
+              <a:t>2020-12-30</a:t>
             </a:fld>
             <a:endParaRPr lang="ko-KR" altLang="en-US"/>
           </a:p>
@@ -732,7 +739,7 @@
           <a:p>
             <a:fld id="{D9FD8D04-066D-4598-B556-F2058D74F7C8}" type="datetimeFigureOut">
               <a:rPr lang="ko-KR" altLang="en-US" smtClean="0"/>
-              <a:t>2020-12-29</a:t>
+              <a:t>2020-12-30</a:t>
             </a:fld>
             <a:endParaRPr lang="ko-KR" altLang="en-US"/>
           </a:p>
@@ -1016,7 +1023,7 @@
           <a:p>
             <a:fld id="{D9FD8D04-066D-4598-B556-F2058D74F7C8}" type="datetimeFigureOut">
               <a:rPr lang="ko-KR" altLang="en-US" smtClean="0"/>
-              <a:t>2020-12-29</a:t>
+              <a:t>2020-12-30</a:t>
             </a:fld>
             <a:endParaRPr lang="ko-KR" altLang="en-US"/>
           </a:p>
@@ -1361,7 +1368,7 @@
           <a:p>
             <a:fld id="{D9FD8D04-066D-4598-B556-F2058D74F7C8}" type="datetimeFigureOut">
               <a:rPr lang="ko-KR" altLang="en-US" smtClean="0"/>
-              <a:t>2020-12-29</a:t>
+              <a:t>2020-12-30</a:t>
             </a:fld>
             <a:endParaRPr lang="ko-KR" altLang="en-US"/>
           </a:p>
@@ -1605,7 +1612,7 @@
           <a:p>
             <a:fld id="{D9FD8D04-066D-4598-B556-F2058D74F7C8}" type="datetimeFigureOut">
               <a:rPr lang="ko-KR" altLang="en-US" smtClean="0"/>
-              <a:t>2020-12-29</a:t>
+              <a:t>2020-12-30</a:t>
             </a:fld>
             <a:endParaRPr lang="ko-KR" altLang="en-US"/>
           </a:p>
@@ -1837,7 +1844,7 @@
           <a:p>
             <a:fld id="{D9FD8D04-066D-4598-B556-F2058D74F7C8}" type="datetimeFigureOut">
               <a:rPr lang="ko-KR" altLang="en-US" smtClean="0"/>
-              <a:t>2020-12-29</a:t>
+              <a:t>2020-12-30</a:t>
             </a:fld>
             <a:endParaRPr lang="ko-KR" altLang="en-US"/>
           </a:p>
@@ -2204,7 +2211,7 @@
           <a:p>
             <a:fld id="{D9FD8D04-066D-4598-B556-F2058D74F7C8}" type="datetimeFigureOut">
               <a:rPr lang="ko-KR" altLang="en-US" smtClean="0"/>
-              <a:t>2020-12-29</a:t>
+              <a:t>2020-12-30</a:t>
             </a:fld>
             <a:endParaRPr lang="ko-KR" altLang="en-US"/>
           </a:p>
@@ -2322,7 +2329,7 @@
           <a:p>
             <a:fld id="{D9FD8D04-066D-4598-B556-F2058D74F7C8}" type="datetimeFigureOut">
               <a:rPr lang="ko-KR" altLang="en-US" smtClean="0"/>
-              <a:t>2020-12-29</a:t>
+              <a:t>2020-12-30</a:t>
             </a:fld>
             <a:endParaRPr lang="ko-KR" altLang="en-US"/>
           </a:p>
@@ -2417,7 +2424,7 @@
           <a:p>
             <a:fld id="{D9FD8D04-066D-4598-B556-F2058D74F7C8}" type="datetimeFigureOut">
               <a:rPr lang="ko-KR" altLang="en-US" smtClean="0"/>
-              <a:t>2020-12-29</a:t>
+              <a:t>2020-12-30</a:t>
             </a:fld>
             <a:endParaRPr lang="ko-KR" altLang="en-US"/>
           </a:p>
@@ -2694,7 +2701,7 @@
           <a:p>
             <a:fld id="{D9FD8D04-066D-4598-B556-F2058D74F7C8}" type="datetimeFigureOut">
               <a:rPr lang="ko-KR" altLang="en-US" smtClean="0"/>
-              <a:t>2020-12-29</a:t>
+              <a:t>2020-12-30</a:t>
             </a:fld>
             <a:endParaRPr lang="ko-KR" altLang="en-US"/>
           </a:p>
@@ -2951,7 +2958,7 @@
           <a:p>
             <a:fld id="{D9FD8D04-066D-4598-B556-F2058D74F7C8}" type="datetimeFigureOut">
               <a:rPr lang="ko-KR" altLang="en-US" smtClean="0"/>
-              <a:t>2020-12-29</a:t>
+              <a:t>2020-12-30</a:t>
             </a:fld>
             <a:endParaRPr lang="ko-KR" altLang="en-US"/>
           </a:p>
@@ -3164,7 +3171,7 @@
           <a:p>
             <a:fld id="{D9FD8D04-066D-4598-B556-F2058D74F7C8}" type="datetimeFigureOut">
               <a:rPr lang="ko-KR" altLang="en-US" smtClean="0"/>
-              <a:t>2020-12-29</a:t>
+              <a:t>2020-12-30</a:t>
             </a:fld>
             <a:endParaRPr lang="ko-KR" altLang="en-US"/>
           </a:p>
@@ -4697,6 +4704,426 @@
 </p:sld>
 </file>
 
+<file path=ppt/slides/slide5.xml><?xml version="1.0" encoding="utf-8"?>
+<p:sld xmlns:a="http://schemas.openxmlformats.org/drawingml/2006/main" xmlns:r="http://schemas.openxmlformats.org/officeDocument/2006/relationships" xmlns:p="http://schemas.openxmlformats.org/presentationml/2006/main">
+  <p:cSld>
+    <p:spTree>
+      <p:nvGrpSpPr>
+        <p:cNvPr id="1" name=""/>
+        <p:cNvGrpSpPr/>
+        <p:nvPr/>
+      </p:nvGrpSpPr>
+      <p:grpSpPr>
+        <a:xfrm>
+          <a:off x="0" y="0"/>
+          <a:ext cx="0" cy="0"/>
+          <a:chOff x="0" y="0"/>
+          <a:chExt cx="0" cy="0"/>
+        </a:xfrm>
+      </p:grpSpPr>
+      <p:sp>
+        <p:nvSpPr>
+          <p:cNvPr id="2" name="제목 1">
+            <a:extLst>
+              <a:ext uri="{FF2B5EF4-FFF2-40B4-BE49-F238E27FC236}">
+                <a16:creationId xmlns:a16="http://schemas.microsoft.com/office/drawing/2014/main" id="{8096E108-09D5-4DA1-8BF6-841D0A5C0D4F}"/>
+              </a:ext>
+            </a:extLst>
+          </p:cNvPr>
+          <p:cNvSpPr>
+            <a:spLocks noGrp="1"/>
+          </p:cNvSpPr>
+          <p:nvPr>
+            <p:ph type="title"/>
+          </p:nvPr>
+        </p:nvSpPr>
+        <p:spPr>
+          <a:xfrm>
+            <a:off x="788565" y="0"/>
+            <a:ext cx="7755360" cy="1325563"/>
+          </a:xfrm>
+        </p:spPr>
+        <p:txBody>
+          <a:bodyPr/>
+          <a:lstStyle/>
+          <a:p>
+            <a:r>
+              <a:rPr lang="ko-KR" altLang="en-US" dirty="0"/>
+              <a:t>클래스 다이어그램</a:t>
+            </a:r>
+          </a:p>
+        </p:txBody>
+      </p:sp>
+      <p:pic>
+        <p:nvPicPr>
+          <p:cNvPr id="3" name="그림 2">
+            <a:extLst>
+              <a:ext uri="{FF2B5EF4-FFF2-40B4-BE49-F238E27FC236}">
+                <a16:creationId xmlns:a16="http://schemas.microsoft.com/office/drawing/2014/main" id="{C94943B8-7E97-41CD-A14D-181A032F91FC}"/>
+              </a:ext>
+            </a:extLst>
+          </p:cNvPr>
+          <p:cNvPicPr>
+            <a:picLocks noChangeAspect="1"/>
+          </p:cNvPicPr>
+          <p:nvPr/>
+        </p:nvPicPr>
+        <p:blipFill>
+          <a:blip r:embed="rId2"/>
+          <a:stretch>
+            <a:fillRect/>
+          </a:stretch>
+        </p:blipFill>
+        <p:spPr>
+          <a:xfrm>
+            <a:off x="0" y="1223806"/>
+            <a:ext cx="4412610" cy="5508359"/>
+          </a:xfrm>
+          <a:prstGeom prst="rect">
+            <a:avLst/>
+          </a:prstGeom>
+        </p:spPr>
+      </p:pic>
+      <p:sp>
+        <p:nvSpPr>
+          <p:cNvPr id="4" name="제목 1">
+            <a:extLst>
+              <a:ext uri="{FF2B5EF4-FFF2-40B4-BE49-F238E27FC236}">
+                <a16:creationId xmlns:a16="http://schemas.microsoft.com/office/drawing/2014/main" id="{1C9D533B-8B78-441C-9740-F9E0AC774830}"/>
+              </a:ext>
+            </a:extLst>
+          </p:cNvPr>
+          <p:cNvSpPr txBox="1">
+            <a:spLocks/>
+          </p:cNvSpPr>
+          <p:nvPr/>
+        </p:nvSpPr>
+        <p:spPr>
+          <a:xfrm>
+            <a:off x="4666245" y="1392573"/>
+            <a:ext cx="4049916" cy="739732"/>
+          </a:xfrm>
+          <a:prstGeom prst="rect">
+            <a:avLst/>
+          </a:prstGeom>
+          <a:noFill/>
+          <a:ln>
+            <a:noFill/>
+          </a:ln>
+        </p:spPr>
+        <p:txBody>
+          <a:bodyPr vert="horz" lIns="91440" tIns="45720" rIns="91440" bIns="45720" rtlCol="0" anchor="ctr">
+            <a:normAutofit/>
+          </a:bodyPr>
+          <a:lstStyle>
+            <a:lvl1pPr algn="l" defTabSz="914400" rtl="0" eaLnBrk="1" latinLnBrk="1" hangingPunct="1">
+              <a:lnSpc>
+                <a:spcPct val="90000"/>
+              </a:lnSpc>
+              <a:spcBef>
+                <a:spcPct val="0"/>
+              </a:spcBef>
+              <a:buNone/>
+              <a:defRPr sz="4400" kern="1200">
+                <a:solidFill>
+                  <a:schemeClr val="tx1"/>
+                </a:solidFill>
+                <a:latin typeface="Microsoft GothicNeo" panose="020B0503020000020004" pitchFamily="34" charset="-127"/>
+                <a:ea typeface="Microsoft GothicNeo" panose="020B0503020000020004" pitchFamily="34" charset="-127"/>
+                <a:cs typeface="Microsoft GothicNeo" panose="020B0503020000020004" pitchFamily="34" charset="-127"/>
+              </a:defRPr>
+            </a:lvl1pPr>
+          </a:lstStyle>
+          <a:p>
+            <a:r>
+              <a:rPr lang="en-US" altLang="ko-KR" sz="3000" dirty="0"/>
+              <a:t>Generalization(</a:t>
+            </a:r>
+            <a:r>
+              <a:rPr lang="ko-KR" altLang="en-US" sz="3000" dirty="0"/>
+              <a:t>일반화</a:t>
+            </a:r>
+            <a:r>
+              <a:rPr lang="en-US" altLang="ko-KR" sz="3000" dirty="0"/>
+              <a:t>)</a:t>
+            </a:r>
+            <a:endParaRPr lang="ko-KR" altLang="en-US" sz="3000" dirty="0"/>
+          </a:p>
+        </p:txBody>
+      </p:sp>
+      <p:sp>
+        <p:nvSpPr>
+          <p:cNvPr id="5" name="TextBox 4">
+            <a:extLst>
+              <a:ext uri="{FF2B5EF4-FFF2-40B4-BE49-F238E27FC236}">
+                <a16:creationId xmlns:a16="http://schemas.microsoft.com/office/drawing/2014/main" id="{20421206-1E0E-4692-B5A4-0BBAE7F9549B}"/>
+              </a:ext>
+            </a:extLst>
+          </p:cNvPr>
+          <p:cNvSpPr txBox="1"/>
+          <p:nvPr/>
+        </p:nvSpPr>
+        <p:spPr>
+          <a:xfrm>
+            <a:off x="4412610" y="2332113"/>
+            <a:ext cx="5379782" cy="646331"/>
+          </a:xfrm>
+          <a:prstGeom prst="rect">
+            <a:avLst/>
+          </a:prstGeom>
+          <a:noFill/>
+        </p:spPr>
+        <p:txBody>
+          <a:bodyPr wrap="square" rtlCol="0">
+            <a:spAutoFit/>
+          </a:bodyPr>
+          <a:lstStyle/>
+          <a:p>
+            <a:r>
+              <a:rPr lang="ko-KR" altLang="en-US" dirty="0">
+                <a:latin typeface="Microsoft GothicNeo" panose="020B0500000101010101" pitchFamily="50" charset="-127"/>
+                <a:ea typeface="Microsoft GothicNeo" panose="020B0500000101010101" pitchFamily="50" charset="-127"/>
+                <a:cs typeface="Microsoft GothicNeo" panose="020B0500000101010101" pitchFamily="50" charset="-127"/>
+              </a:rPr>
+              <a:t>우리가 일반적으로 알고 있는 상속입니다</a:t>
+            </a:r>
+            <a:r>
+              <a:rPr lang="en-US" altLang="ko-KR" dirty="0">
+                <a:latin typeface="Microsoft GothicNeo" panose="020B0500000101010101" pitchFamily="50" charset="-127"/>
+                <a:ea typeface="Microsoft GothicNeo" panose="020B0500000101010101" pitchFamily="50" charset="-127"/>
+                <a:cs typeface="Microsoft GothicNeo" panose="020B0500000101010101" pitchFamily="50" charset="-127"/>
+              </a:rPr>
+              <a:t>. </a:t>
+            </a:r>
+            <a:r>
+              <a:rPr lang="ko-KR" altLang="en-US" dirty="0">
+                <a:latin typeface="Microsoft GothicNeo" panose="020B0500000101010101" pitchFamily="50" charset="-127"/>
+                <a:ea typeface="Microsoft GothicNeo" panose="020B0500000101010101" pitchFamily="50" charset="-127"/>
+                <a:cs typeface="Microsoft GothicNeo" panose="020B0500000101010101" pitchFamily="50" charset="-127"/>
+              </a:rPr>
+              <a:t>이는 클래스 다이어그램에서 </a:t>
+            </a:r>
+            <a:r>
+              <a:rPr lang="ko-KR" altLang="en-US" b="1" dirty="0">
+                <a:latin typeface="Microsoft GothicNeo" panose="020B0500000101010101" pitchFamily="50" charset="-127"/>
+                <a:ea typeface="Microsoft GothicNeo" panose="020B0500000101010101" pitchFamily="50" charset="-127"/>
+                <a:cs typeface="Microsoft GothicNeo" panose="020B0500000101010101" pitchFamily="50" charset="-127"/>
+              </a:rPr>
+              <a:t>실선이 </a:t>
+            </a:r>
+            <a:r>
+              <a:rPr lang="ko-KR" altLang="en-US" b="1" dirty="0" err="1">
+                <a:latin typeface="Microsoft GothicNeo" panose="020B0500000101010101" pitchFamily="50" charset="-127"/>
+                <a:ea typeface="Microsoft GothicNeo" panose="020B0500000101010101" pitchFamily="50" charset="-127"/>
+                <a:cs typeface="Microsoft GothicNeo" panose="020B0500000101010101" pitchFamily="50" charset="-127"/>
+              </a:rPr>
+              <a:t>비어있는</a:t>
+            </a:r>
+            <a:r>
+              <a:rPr lang="ko-KR" altLang="en-US" b="1" dirty="0">
+                <a:latin typeface="Microsoft GothicNeo" panose="020B0500000101010101" pitchFamily="50" charset="-127"/>
+                <a:ea typeface="Microsoft GothicNeo" panose="020B0500000101010101" pitchFamily="50" charset="-127"/>
+                <a:cs typeface="Microsoft GothicNeo" panose="020B0500000101010101" pitchFamily="50" charset="-127"/>
+              </a:rPr>
+              <a:t> 화살표</a:t>
+            </a:r>
+            <a:r>
+              <a:rPr lang="ko-KR" altLang="en-US" dirty="0">
+                <a:latin typeface="Microsoft GothicNeo" panose="020B0500000101010101" pitchFamily="50" charset="-127"/>
+                <a:ea typeface="Microsoft GothicNeo" panose="020B0500000101010101" pitchFamily="50" charset="-127"/>
+                <a:cs typeface="Microsoft GothicNeo" panose="020B0500000101010101" pitchFamily="50" charset="-127"/>
+              </a:rPr>
+              <a:t>로 표시합니다</a:t>
+            </a:r>
+            <a:r>
+              <a:rPr lang="en-US" altLang="ko-KR" dirty="0">
+                <a:latin typeface="Microsoft GothicNeo" panose="020B0500000101010101" pitchFamily="50" charset="-127"/>
+                <a:ea typeface="Microsoft GothicNeo" panose="020B0500000101010101" pitchFamily="50" charset="-127"/>
+                <a:cs typeface="Microsoft GothicNeo" panose="020B0500000101010101" pitchFamily="50" charset="-127"/>
+              </a:rPr>
+              <a:t>.</a:t>
+            </a:r>
+            <a:endParaRPr lang="ko-KR" altLang="en-US" dirty="0">
+              <a:latin typeface="Microsoft GothicNeo" panose="020B0500000101010101" pitchFamily="50" charset="-127"/>
+              <a:ea typeface="Microsoft GothicNeo" panose="020B0500000101010101" pitchFamily="50" charset="-127"/>
+              <a:cs typeface="Microsoft GothicNeo" panose="020B0500000101010101" pitchFamily="50" charset="-127"/>
+            </a:endParaRPr>
+          </a:p>
+        </p:txBody>
+      </p:sp>
+    </p:spTree>
+    <p:extLst>
+      <p:ext uri="{BB962C8B-B14F-4D97-AF65-F5344CB8AC3E}">
+        <p14:creationId xmlns:p14="http://schemas.microsoft.com/office/powerpoint/2010/main" val="2115451977"/>
+      </p:ext>
+    </p:extLst>
+  </p:cSld>
+  <p:clrMapOvr>
+    <a:masterClrMapping/>
+  </p:clrMapOvr>
+</p:sld>
+</file>
+
+<file path=ppt/slides/slide6.xml><?xml version="1.0" encoding="utf-8"?>
+<p:sld xmlns:a="http://schemas.openxmlformats.org/drawingml/2006/main" xmlns:r="http://schemas.openxmlformats.org/officeDocument/2006/relationships" xmlns:p="http://schemas.openxmlformats.org/presentationml/2006/main">
+  <p:cSld>
+    <p:spTree>
+      <p:nvGrpSpPr>
+        <p:cNvPr id="1" name=""/>
+        <p:cNvGrpSpPr/>
+        <p:nvPr/>
+      </p:nvGrpSpPr>
+      <p:grpSpPr>
+        <a:xfrm>
+          <a:off x="0" y="0"/>
+          <a:ext cx="0" cy="0"/>
+          <a:chOff x="0" y="0"/>
+          <a:chExt cx="0" cy="0"/>
+        </a:xfrm>
+      </p:grpSpPr>
+      <p:sp>
+        <p:nvSpPr>
+          <p:cNvPr id="2" name="제목 1">
+            <a:extLst>
+              <a:ext uri="{FF2B5EF4-FFF2-40B4-BE49-F238E27FC236}">
+                <a16:creationId xmlns:a16="http://schemas.microsoft.com/office/drawing/2014/main" id="{8096E108-09D5-4DA1-8BF6-841D0A5C0D4F}"/>
+              </a:ext>
+            </a:extLst>
+          </p:cNvPr>
+          <p:cNvSpPr>
+            <a:spLocks noGrp="1"/>
+          </p:cNvSpPr>
+          <p:nvPr>
+            <p:ph type="title"/>
+          </p:nvPr>
+        </p:nvSpPr>
+        <p:spPr>
+          <a:xfrm>
+            <a:off x="788565" y="0"/>
+            <a:ext cx="7755360" cy="1325563"/>
+          </a:xfrm>
+        </p:spPr>
+        <p:txBody>
+          <a:bodyPr/>
+          <a:lstStyle/>
+          <a:p>
+            <a:r>
+              <a:rPr lang="ko-KR" altLang="en-US" dirty="0"/>
+              <a:t>클래스 다이어그램</a:t>
+            </a:r>
+          </a:p>
+        </p:txBody>
+      </p:sp>
+      <p:sp>
+        <p:nvSpPr>
+          <p:cNvPr id="4" name="제목 1">
+            <a:extLst>
+              <a:ext uri="{FF2B5EF4-FFF2-40B4-BE49-F238E27FC236}">
+                <a16:creationId xmlns:a16="http://schemas.microsoft.com/office/drawing/2014/main" id="{1C9D533B-8B78-441C-9740-F9E0AC774830}"/>
+              </a:ext>
+            </a:extLst>
+          </p:cNvPr>
+          <p:cNvSpPr txBox="1">
+            <a:spLocks/>
+          </p:cNvSpPr>
+          <p:nvPr/>
+        </p:nvSpPr>
+        <p:spPr>
+          <a:xfrm>
+            <a:off x="178532" y="1325563"/>
+            <a:ext cx="3447875" cy="739732"/>
+          </a:xfrm>
+          <a:prstGeom prst="rect">
+            <a:avLst/>
+          </a:prstGeom>
+          <a:noFill/>
+          <a:ln>
+            <a:noFill/>
+          </a:ln>
+        </p:spPr>
+        <p:txBody>
+          <a:bodyPr vert="horz" lIns="91440" tIns="45720" rIns="91440" bIns="45720" rtlCol="0" anchor="ctr">
+            <a:normAutofit/>
+          </a:bodyPr>
+          <a:lstStyle>
+            <a:lvl1pPr algn="l" defTabSz="914400" rtl="0" eaLnBrk="1" latinLnBrk="1" hangingPunct="1">
+              <a:lnSpc>
+                <a:spcPct val="90000"/>
+              </a:lnSpc>
+              <a:spcBef>
+                <a:spcPct val="0"/>
+              </a:spcBef>
+              <a:buNone/>
+              <a:defRPr sz="4400" kern="1200">
+                <a:solidFill>
+                  <a:schemeClr val="tx1"/>
+                </a:solidFill>
+                <a:latin typeface="Microsoft GothicNeo" panose="020B0503020000020004" pitchFamily="34" charset="-127"/>
+                <a:ea typeface="Microsoft GothicNeo" panose="020B0503020000020004" pitchFamily="34" charset="-127"/>
+                <a:cs typeface="Microsoft GothicNeo" panose="020B0503020000020004" pitchFamily="34" charset="-127"/>
+              </a:defRPr>
+            </a:lvl1pPr>
+          </a:lstStyle>
+          <a:p>
+            <a:r>
+              <a:rPr lang="en-US" altLang="ko-KR" sz="3000" dirty="0"/>
+              <a:t>Realization(</a:t>
+            </a:r>
+            <a:r>
+              <a:rPr lang="ko-KR" altLang="en-US" sz="3000" dirty="0"/>
+              <a:t>실체화</a:t>
+            </a:r>
+            <a:r>
+              <a:rPr lang="en-US" altLang="ko-KR" sz="3000" dirty="0"/>
+              <a:t>)</a:t>
+            </a:r>
+            <a:endParaRPr lang="ko-KR" altLang="en-US" sz="3000" dirty="0"/>
+          </a:p>
+        </p:txBody>
+      </p:sp>
+      <p:pic>
+        <p:nvPicPr>
+          <p:cNvPr id="6" name="그림 5">
+            <a:extLst>
+              <a:ext uri="{FF2B5EF4-FFF2-40B4-BE49-F238E27FC236}">
+                <a16:creationId xmlns:a16="http://schemas.microsoft.com/office/drawing/2014/main" id="{F05025C9-BAB4-40CA-854F-E21855FCB394}"/>
+              </a:ext>
+            </a:extLst>
+          </p:cNvPr>
+          <p:cNvPicPr>
+            <a:picLocks noChangeAspect="1"/>
+          </p:cNvPicPr>
+          <p:nvPr/>
+        </p:nvPicPr>
+        <p:blipFill>
+          <a:blip r:embed="rId2"/>
+          <a:stretch>
+            <a:fillRect/>
+          </a:stretch>
+        </p:blipFill>
+        <p:spPr>
+          <a:xfrm>
+            <a:off x="3682592" y="1325563"/>
+            <a:ext cx="6044876" cy="4294324"/>
+          </a:xfrm>
+          <a:prstGeom prst="rect">
+            <a:avLst/>
+          </a:prstGeom>
+        </p:spPr>
+      </p:pic>
+    </p:spTree>
+    <p:extLst>
+      <p:ext uri="{BB962C8B-B14F-4D97-AF65-F5344CB8AC3E}">
+        <p14:creationId xmlns:p14="http://schemas.microsoft.com/office/powerpoint/2010/main" val="3126253633"/>
+      </p:ext>
+    </p:extLst>
+  </p:cSld>
+  <p:clrMapOvr>
+    <a:masterClrMapping/>
+  </p:clrMapOvr>
+</p:sld>
+</file>
+
 <file path=ppt/theme/theme1.xml><?xml version="1.0" encoding="utf-8"?>
 <a:theme xmlns:a="http://schemas.openxmlformats.org/drawingml/2006/main" name="Office Theme">
   <a:themeElements>
